--- a/DecisionTree.pptx
+++ b/DecisionTree.pptx
@@ -104,6 +104,11 @@
       </a:defRPr>
     </a:lvl9pPr>
   </p:defaultTextStyle>
+  <p:extLst>
+    <p:ext uri="{EFAFB233-063F-42B5-8137-9DF3F51BA10A}">
+      <p15:sldGuideLst xmlns:p15="http://schemas.microsoft.com/office/powerpoint/2012/main"/>
+    </p:ext>
+  </p:extLst>
 </p:presentation>
 </file>
 
@@ -3364,7 +3369,7 @@
         </p:blipFill>
         <p:spPr>
           <a:xfrm>
-            <a:off x="-758728" y="17287"/>
+            <a:off x="407721" y="191566"/>
             <a:ext cx="4694536" cy="200933"/>
           </a:xfrm>
           <a:prstGeom prst="rect">
@@ -3448,8 +3453,8 @@
         </p:nvSpPr>
         <p:spPr>
           <a:xfrm>
-            <a:off x="-1224923" y="-685800"/>
-            <a:ext cx="14630399" cy="8229599"/>
+            <a:off x="0" y="0"/>
+            <a:ext cx="12192000" cy="6840713"/>
           </a:xfrm>
           <a:custGeom>
             <a:avLst/>
@@ -11021,7 +11026,7 @@
         </p:nvSpPr>
         <p:spPr>
           <a:xfrm>
-            <a:off x="-279158" y="5389538"/>
+            <a:off x="496695" y="5360202"/>
             <a:ext cx="7209708" cy="1200329"/>
           </a:xfrm>
           <a:prstGeom prst="rect">
